--- a/presentaciones/Modulo 14 Log y trazabilidad.pptx
+++ b/presentaciones/Modulo 14 Log y trazabilidad.pptx
@@ -276,7 +276,7 @@
           <a:p>
             <a:fld id="{9947E4B7-F257-4C4C-887E-FAB8D4174B66}" type="datetimeFigureOut">
               <a:rPr lang="es-PE" smtClean="0"/>
-              <a:t>20/04/2025</a:t>
+              <a:t>5/05/2025</a:t>
             </a:fld>
             <a:endParaRPr lang="es-PE"/>
           </a:p>
@@ -691,7 +691,7 @@
           <a:p>
             <a:fld id="{9947E4B7-F257-4C4C-887E-FAB8D4174B66}" type="datetimeFigureOut">
               <a:rPr lang="es-PE" smtClean="0"/>
-              <a:t>20/04/2025</a:t>
+              <a:t>5/05/2025</a:t>
             </a:fld>
             <a:endParaRPr lang="es-PE"/>
           </a:p>
@@ -901,7 +901,7 @@
           <a:p>
             <a:fld id="{9947E4B7-F257-4C4C-887E-FAB8D4174B66}" type="datetimeFigureOut">
               <a:rPr lang="es-PE" smtClean="0"/>
-              <a:t>20/04/2025</a:t>
+              <a:t>5/05/2025</a:t>
             </a:fld>
             <a:endParaRPr lang="es-PE"/>
           </a:p>
@@ -1109,7 +1109,7 @@
           <a:p>
             <a:fld id="{9947E4B7-F257-4C4C-887E-FAB8D4174B66}" type="datetimeFigureOut">
               <a:rPr lang="es-PE" smtClean="0"/>
-              <a:t>20/04/2025</a:t>
+              <a:t>5/05/2025</a:t>
             </a:fld>
             <a:endParaRPr lang="es-PE"/>
           </a:p>
@@ -1600,7 +1600,7 @@
           <a:p>
             <a:fld id="{9947E4B7-F257-4C4C-887E-FAB8D4174B66}" type="datetimeFigureOut">
               <a:rPr lang="es-PE" smtClean="0"/>
-              <a:t>20/04/2025</a:t>
+              <a:t>5/05/2025</a:t>
             </a:fld>
             <a:endParaRPr lang="es-PE"/>
           </a:p>
@@ -2083,7 +2083,7 @@
           <a:p>
             <a:fld id="{9947E4B7-F257-4C4C-887E-FAB8D4174B66}" type="datetimeFigureOut">
               <a:rPr lang="es-PE" smtClean="0"/>
-              <a:t>20/04/2025</a:t>
+              <a:t>5/05/2025</a:t>
             </a:fld>
             <a:endParaRPr lang="es-PE"/>
           </a:p>
@@ -2498,7 +2498,7 @@
           <a:p>
             <a:fld id="{9947E4B7-F257-4C4C-887E-FAB8D4174B66}" type="datetimeFigureOut">
               <a:rPr lang="es-PE" smtClean="0"/>
-              <a:t>20/04/2025</a:t>
+              <a:t>5/05/2025</a:t>
             </a:fld>
             <a:endParaRPr lang="es-PE"/>
           </a:p>
@@ -2640,7 +2640,7 @@
           <a:p>
             <a:fld id="{9947E4B7-F257-4C4C-887E-FAB8D4174B66}" type="datetimeFigureOut">
               <a:rPr lang="es-PE" smtClean="0"/>
-              <a:t>20/04/2025</a:t>
+              <a:t>5/05/2025</a:t>
             </a:fld>
             <a:endParaRPr lang="es-PE"/>
           </a:p>
@@ -2753,7 +2753,7 @@
           <a:p>
             <a:fld id="{9947E4B7-F257-4C4C-887E-FAB8D4174B66}" type="datetimeFigureOut">
               <a:rPr lang="es-PE" smtClean="0"/>
-              <a:t>20/04/2025</a:t>
+              <a:t>5/05/2025</a:t>
             </a:fld>
             <a:endParaRPr lang="es-PE"/>
           </a:p>
@@ -3066,7 +3066,7 @@
           <a:p>
             <a:fld id="{9947E4B7-F257-4C4C-887E-FAB8D4174B66}" type="datetimeFigureOut">
               <a:rPr lang="es-PE" smtClean="0"/>
-              <a:t>20/04/2025</a:t>
+              <a:t>5/05/2025</a:t>
             </a:fld>
             <a:endParaRPr lang="es-PE"/>
           </a:p>
@@ -3359,7 +3359,7 @@
           <a:p>
             <a:fld id="{9947E4B7-F257-4C4C-887E-FAB8D4174B66}" type="datetimeFigureOut">
               <a:rPr lang="es-PE" smtClean="0"/>
-              <a:t>20/04/2025</a:t>
+              <a:t>5/05/2025</a:t>
             </a:fld>
             <a:endParaRPr lang="es-PE"/>
           </a:p>
@@ -3602,7 +3602,7 @@
           <a:p>
             <a:fld id="{9947E4B7-F257-4C4C-887E-FAB8D4174B66}" type="datetimeFigureOut">
               <a:rPr lang="es-PE" smtClean="0"/>
-              <a:t>20/04/2025</a:t>
+              <a:t>5/05/2025</a:t>
             </a:fld>
             <a:endParaRPr lang="es-PE"/>
           </a:p>
@@ -6651,7 +6651,7 @@
               <a:t>Ejemplo de configuración de Logstash (</a:t>
             </a:r>
             <a:r>
-              <a:rPr lang="es-ES" dirty="0" err="1"/>
+              <a:rPr lang="es-ES" b="1" dirty="0" err="1"/>
               <a:t>logstash.conf</a:t>
             </a:r>
             <a:r>
